--- a/Présentation Projet 2 - Reservia.pptx
+++ b/Présentation Projet 2 - Reservia.pptx
@@ -104,6 +104,11 @@
       </a:defRPr>
     </a:lvl9pPr>
   </p:defaultTextStyle>
+  <p:extLst>
+    <p:ext uri="{EFAFB233-063F-42B5-8137-9DF3F51BA10A}">
+      <p15:sldGuideLst xmlns:p15="http://schemas.microsoft.com/office/powerpoint/2012/main"/>
+    </p:ext>
+  </p:extLst>
 </p:presentation>
 </file>
 
@@ -254,7 +259,7 @@
           <a:p>
             <a:fld id="{442EA2D9-9B80-D345-9405-D5A7F6BF5314}" type="datetimeFigureOut">
               <a:rPr lang="fr-FR" smtClean="0"/>
-              <a:t>22/02/2021</a:t>
+              <a:t>23/02/2021</a:t>
             </a:fld>
             <a:endParaRPr lang="fr-FR" dirty="0"/>
           </a:p>
@@ -452,7 +457,7 @@
           <a:p>
             <a:fld id="{442EA2D9-9B80-D345-9405-D5A7F6BF5314}" type="datetimeFigureOut">
               <a:rPr lang="fr-FR" smtClean="0"/>
-              <a:t>22/02/2021</a:t>
+              <a:t>23/02/2021</a:t>
             </a:fld>
             <a:endParaRPr lang="fr-FR" dirty="0"/>
           </a:p>
@@ -660,7 +665,7 @@
           <a:p>
             <a:fld id="{442EA2D9-9B80-D345-9405-D5A7F6BF5314}" type="datetimeFigureOut">
               <a:rPr lang="fr-FR" smtClean="0"/>
-              <a:t>22/02/2021</a:t>
+              <a:t>23/02/2021</a:t>
             </a:fld>
             <a:endParaRPr lang="fr-FR" dirty="0"/>
           </a:p>
@@ -858,7 +863,7 @@
           <a:p>
             <a:fld id="{442EA2D9-9B80-D345-9405-D5A7F6BF5314}" type="datetimeFigureOut">
               <a:rPr lang="fr-FR" smtClean="0"/>
-              <a:t>22/02/2021</a:t>
+              <a:t>23/02/2021</a:t>
             </a:fld>
             <a:endParaRPr lang="fr-FR" dirty="0"/>
           </a:p>
@@ -1133,7 +1138,7 @@
           <a:p>
             <a:fld id="{442EA2D9-9B80-D345-9405-D5A7F6BF5314}" type="datetimeFigureOut">
               <a:rPr lang="fr-FR" smtClean="0"/>
-              <a:t>22/02/2021</a:t>
+              <a:t>23/02/2021</a:t>
             </a:fld>
             <a:endParaRPr lang="fr-FR" dirty="0"/>
           </a:p>
@@ -1398,7 +1403,7 @@
           <a:p>
             <a:fld id="{442EA2D9-9B80-D345-9405-D5A7F6BF5314}" type="datetimeFigureOut">
               <a:rPr lang="fr-FR" smtClean="0"/>
-              <a:t>22/02/2021</a:t>
+              <a:t>23/02/2021</a:t>
             </a:fld>
             <a:endParaRPr lang="fr-FR" dirty="0"/>
           </a:p>
@@ -1810,7 +1815,7 @@
           <a:p>
             <a:fld id="{442EA2D9-9B80-D345-9405-D5A7F6BF5314}" type="datetimeFigureOut">
               <a:rPr lang="fr-FR" smtClean="0"/>
-              <a:t>22/02/2021</a:t>
+              <a:t>23/02/2021</a:t>
             </a:fld>
             <a:endParaRPr lang="fr-FR" dirty="0"/>
           </a:p>
@@ -1951,7 +1956,7 @@
           <a:p>
             <a:fld id="{442EA2D9-9B80-D345-9405-D5A7F6BF5314}" type="datetimeFigureOut">
               <a:rPr lang="fr-FR" smtClean="0"/>
-              <a:t>22/02/2021</a:t>
+              <a:t>23/02/2021</a:t>
             </a:fld>
             <a:endParaRPr lang="fr-FR" dirty="0"/>
           </a:p>
@@ -2064,7 +2069,7 @@
           <a:p>
             <a:fld id="{442EA2D9-9B80-D345-9405-D5A7F6BF5314}" type="datetimeFigureOut">
               <a:rPr lang="fr-FR" smtClean="0"/>
-              <a:t>22/02/2021</a:t>
+              <a:t>23/02/2021</a:t>
             </a:fld>
             <a:endParaRPr lang="fr-FR" dirty="0"/>
           </a:p>
@@ -2375,7 +2380,7 @@
           <a:p>
             <a:fld id="{442EA2D9-9B80-D345-9405-D5A7F6BF5314}" type="datetimeFigureOut">
               <a:rPr lang="fr-FR" smtClean="0"/>
-              <a:t>22/02/2021</a:t>
+              <a:t>23/02/2021</a:t>
             </a:fld>
             <a:endParaRPr lang="fr-FR" dirty="0"/>
           </a:p>
@@ -2663,7 +2668,7 @@
           <a:p>
             <a:fld id="{442EA2D9-9B80-D345-9405-D5A7F6BF5314}" type="datetimeFigureOut">
               <a:rPr lang="fr-FR" smtClean="0"/>
-              <a:t>22/02/2021</a:t>
+              <a:t>23/02/2021</a:t>
             </a:fld>
             <a:endParaRPr lang="fr-FR" dirty="0"/>
           </a:p>
@@ -2904,7 +2909,7 @@
           <a:p>
             <a:fld id="{442EA2D9-9B80-D345-9405-D5A7F6BF5314}" type="datetimeFigureOut">
               <a:rPr lang="fr-FR" smtClean="0"/>
-              <a:t>22/02/2021</a:t>
+              <a:t>23/02/2021</a:t>
             </a:fld>
             <a:endParaRPr lang="fr-FR" dirty="0"/>
           </a:p>
@@ -3772,7 +3777,7 @@
         </p:spPr>
         <p:txBody>
           <a:bodyPr anchor="ctr">
-            <a:normAutofit/>
+            <a:normAutofit lnSpcReduction="10000"/>
           </a:bodyPr>
           <a:lstStyle/>
           <a:p>
@@ -3809,7 +3814,27 @@
                 <a:latin typeface="Avenir Book" panose="02000503020000020003" pitchFamily="2" charset="0"/>
                 <a:cs typeface="Apple Chancery" panose="03020702040506060504" pitchFamily="66" charset="-79"/>
               </a:rPr>
-              <a:t> : Intégration d’une maquette responsive HTML et CSS sur la base du Material Design proposé par l’UI designer de l’entreprise </a:t>
+              <a:t> : Intégration d’une maquette responsive HTML et CSS sur la base du Material Design proposé par </a:t>
+            </a:r>
+            <a:r>
+              <a:rPr lang="en-US" sz="1200" dirty="0" err="1">
+                <a:solidFill>
+                  <a:srgbClr val="000000"/>
+                </a:solidFill>
+                <a:latin typeface="Avenir Book" panose="02000503020000020003" pitchFamily="2" charset="0"/>
+                <a:cs typeface="Apple Chancery" panose="03020702040506060504" pitchFamily="66" charset="-79"/>
+              </a:rPr>
+              <a:t>Loic</a:t>
+            </a:r>
+            <a:r>
+              <a:rPr lang="en-US" sz="1200" dirty="0">
+                <a:solidFill>
+                  <a:srgbClr val="000000"/>
+                </a:solidFill>
+                <a:latin typeface="Avenir Book" panose="02000503020000020003" pitchFamily="2" charset="0"/>
+                <a:cs typeface="Apple Chancery" panose="03020702040506060504" pitchFamily="66" charset="-79"/>
+              </a:rPr>
+              <a:t> (UI designer)</a:t>
             </a:r>
           </a:p>
           <a:p>
@@ -3959,6 +3984,22 @@
                 <a:cs typeface="Apple Chancery" panose="03020702040506060504" pitchFamily="66" charset="-79"/>
               </a:rPr>
               <a:t>Pas d’utilisation de framework ou de pré-complilateur</a:t>
+            </a:r>
+          </a:p>
+          <a:p>
+            <a:pPr>
+              <a:buFontTx/>
+              <a:buChar char="-"/>
+            </a:pPr>
+            <a:r>
+              <a:rPr lang="en-US" sz="1200" dirty="0">
+                <a:solidFill>
+                  <a:srgbClr val="000000"/>
+                </a:solidFill>
+                <a:latin typeface="Avenir Book" panose="02000503020000020003" pitchFamily="2" charset="0"/>
+                <a:cs typeface="Apple Chancery" panose="03020702040506060504" pitchFamily="66" charset="-79"/>
+              </a:rPr>
+              <a:t>Le site est compatible avec les dernières versions de Chrome et de Firefox</a:t>
             </a:r>
           </a:p>
           <a:p>
@@ -4044,7 +4085,7 @@
                 <a:latin typeface="Avenir Book" panose="02000503020000020003" pitchFamily="2" charset="0"/>
                 <a:cs typeface="Apple Chancery" panose="03020702040506060504" pitchFamily="66" charset="-79"/>
               </a:rPr>
-              <a:t>Le code est vérifié à l’aide de W3C HTML et CSS et ne contient aucune erreur ni alerte</a:t>
+              <a:t>Le code HTML et CSS sont dans deux fichiers séparés</a:t>
             </a:r>
           </a:p>
           <a:p>
@@ -4060,7 +4101,7 @@
                 <a:latin typeface="Avenir Book" panose="02000503020000020003" pitchFamily="2" charset="0"/>
                 <a:cs typeface="Apple Chancery" panose="03020702040506060504" pitchFamily="66" charset="-79"/>
               </a:rPr>
-              <a:t>Le code HTML et CSS sont dans deux fichiers séparés</a:t>
+              <a:t>Le code est vérifié à l’aide de W3C HTML et CSS et ne contient aucune erreur ni alerte</a:t>
             </a:r>
           </a:p>
           <a:p>
@@ -4076,13 +4117,12 @@
                 <a:latin typeface="Avenir Book" panose="02000503020000020003" pitchFamily="2" charset="0"/>
                 <a:cs typeface="Apple Chancery" panose="03020702040506060504" pitchFamily="66" charset="-79"/>
               </a:rPr>
-              <a:t>Utilisation de Ungit (client GIT) pour versionner le code en local et de Github pour la partie distante</a:t>
-            </a:r>
-          </a:p>
-          <a:p>
-            <a:pPr>
-              <a:buFontTx/>
-              <a:buChar char="-"/>
+              <a:t>Utilisation de Ungit (client GIT) pour versionner le code en local et de Github pour la partie distante + déploiement de la page </a:t>
+            </a:r>
+          </a:p>
+          <a:p>
+            <a:pPr marL="0" indent="0">
+              <a:buNone/>
             </a:pPr>
             <a:endParaRPr lang="en-US" sz="1200" dirty="0">
               <a:solidFill>

--- a/Présentation Projet 2 - Reservia.pptx
+++ b/Présentation Projet 2 - Reservia.pptx
@@ -259,7 +259,7 @@
           <a:p>
             <a:fld id="{442EA2D9-9B80-D345-9405-D5A7F6BF5314}" type="datetimeFigureOut">
               <a:rPr lang="fr-FR" smtClean="0"/>
-              <a:t>23/02/2021</a:t>
+              <a:t>24/02/2021</a:t>
             </a:fld>
             <a:endParaRPr lang="fr-FR" dirty="0"/>
           </a:p>
@@ -457,7 +457,7 @@
           <a:p>
             <a:fld id="{442EA2D9-9B80-D345-9405-D5A7F6BF5314}" type="datetimeFigureOut">
               <a:rPr lang="fr-FR" smtClean="0"/>
-              <a:t>23/02/2021</a:t>
+              <a:t>24/02/2021</a:t>
             </a:fld>
             <a:endParaRPr lang="fr-FR" dirty="0"/>
           </a:p>
@@ -665,7 +665,7 @@
           <a:p>
             <a:fld id="{442EA2D9-9B80-D345-9405-D5A7F6BF5314}" type="datetimeFigureOut">
               <a:rPr lang="fr-FR" smtClean="0"/>
-              <a:t>23/02/2021</a:t>
+              <a:t>24/02/2021</a:t>
             </a:fld>
             <a:endParaRPr lang="fr-FR" dirty="0"/>
           </a:p>
@@ -863,7 +863,7 @@
           <a:p>
             <a:fld id="{442EA2D9-9B80-D345-9405-D5A7F6BF5314}" type="datetimeFigureOut">
               <a:rPr lang="fr-FR" smtClean="0"/>
-              <a:t>23/02/2021</a:t>
+              <a:t>24/02/2021</a:t>
             </a:fld>
             <a:endParaRPr lang="fr-FR" dirty="0"/>
           </a:p>
@@ -1138,7 +1138,7 @@
           <a:p>
             <a:fld id="{442EA2D9-9B80-D345-9405-D5A7F6BF5314}" type="datetimeFigureOut">
               <a:rPr lang="fr-FR" smtClean="0"/>
-              <a:t>23/02/2021</a:t>
+              <a:t>24/02/2021</a:t>
             </a:fld>
             <a:endParaRPr lang="fr-FR" dirty="0"/>
           </a:p>
@@ -1403,7 +1403,7 @@
           <a:p>
             <a:fld id="{442EA2D9-9B80-D345-9405-D5A7F6BF5314}" type="datetimeFigureOut">
               <a:rPr lang="fr-FR" smtClean="0"/>
-              <a:t>23/02/2021</a:t>
+              <a:t>24/02/2021</a:t>
             </a:fld>
             <a:endParaRPr lang="fr-FR" dirty="0"/>
           </a:p>
@@ -1815,7 +1815,7 @@
           <a:p>
             <a:fld id="{442EA2D9-9B80-D345-9405-D5A7F6BF5314}" type="datetimeFigureOut">
               <a:rPr lang="fr-FR" smtClean="0"/>
-              <a:t>23/02/2021</a:t>
+              <a:t>24/02/2021</a:t>
             </a:fld>
             <a:endParaRPr lang="fr-FR" dirty="0"/>
           </a:p>
@@ -1956,7 +1956,7 @@
           <a:p>
             <a:fld id="{442EA2D9-9B80-D345-9405-D5A7F6BF5314}" type="datetimeFigureOut">
               <a:rPr lang="fr-FR" smtClean="0"/>
-              <a:t>23/02/2021</a:t>
+              <a:t>24/02/2021</a:t>
             </a:fld>
             <a:endParaRPr lang="fr-FR" dirty="0"/>
           </a:p>
@@ -2069,7 +2069,7 @@
           <a:p>
             <a:fld id="{442EA2D9-9B80-D345-9405-D5A7F6BF5314}" type="datetimeFigureOut">
               <a:rPr lang="fr-FR" smtClean="0"/>
-              <a:t>23/02/2021</a:t>
+              <a:t>24/02/2021</a:t>
             </a:fld>
             <a:endParaRPr lang="fr-FR" dirty="0"/>
           </a:p>
@@ -2380,7 +2380,7 @@
           <a:p>
             <a:fld id="{442EA2D9-9B80-D345-9405-D5A7F6BF5314}" type="datetimeFigureOut">
               <a:rPr lang="fr-FR" smtClean="0"/>
-              <a:t>23/02/2021</a:t>
+              <a:t>24/02/2021</a:t>
             </a:fld>
             <a:endParaRPr lang="fr-FR" dirty="0"/>
           </a:p>
@@ -2668,7 +2668,7 @@
           <a:p>
             <a:fld id="{442EA2D9-9B80-D345-9405-D5A7F6BF5314}" type="datetimeFigureOut">
               <a:rPr lang="fr-FR" smtClean="0"/>
-              <a:t>23/02/2021</a:t>
+              <a:t>24/02/2021</a:t>
             </a:fld>
             <a:endParaRPr lang="fr-FR" dirty="0"/>
           </a:p>
@@ -2909,7 +2909,7 @@
           <a:p>
             <a:fld id="{442EA2D9-9B80-D345-9405-D5A7F6BF5314}" type="datetimeFigureOut">
               <a:rPr lang="fr-FR" smtClean="0"/>
-              <a:t>23/02/2021</a:t>
+              <a:t>24/02/2021</a:t>
             </a:fld>
             <a:endParaRPr lang="fr-FR" dirty="0"/>
           </a:p>
@@ -3814,27 +3814,7 @@
                 <a:latin typeface="Avenir Book" panose="02000503020000020003" pitchFamily="2" charset="0"/>
                 <a:cs typeface="Apple Chancery" panose="03020702040506060504" pitchFamily="66" charset="-79"/>
               </a:rPr>
-              <a:t> : Intégration d’une maquette responsive HTML et CSS sur la base du Material Design proposé par </a:t>
-            </a:r>
-            <a:r>
-              <a:rPr lang="en-US" sz="1200" dirty="0" err="1">
-                <a:solidFill>
-                  <a:srgbClr val="000000"/>
-                </a:solidFill>
-                <a:latin typeface="Avenir Book" panose="02000503020000020003" pitchFamily="2" charset="0"/>
-                <a:cs typeface="Apple Chancery" panose="03020702040506060504" pitchFamily="66" charset="-79"/>
-              </a:rPr>
-              <a:t>Loic</a:t>
-            </a:r>
-            <a:r>
-              <a:rPr lang="en-US" sz="1200" dirty="0">
-                <a:solidFill>
-                  <a:srgbClr val="000000"/>
-                </a:solidFill>
-                <a:latin typeface="Avenir Book" panose="02000503020000020003" pitchFamily="2" charset="0"/>
-                <a:cs typeface="Apple Chancery" panose="03020702040506060504" pitchFamily="66" charset="-79"/>
-              </a:rPr>
-              <a:t> (UI designer)</a:t>
+              <a:t> : Intégration d’une maquette responsive HTML et CSS sur la base du Material Design proposé par Loic (UI designer)</a:t>
             </a:r>
           </a:p>
           <a:p>
